--- a/ASHU_MINI_PROJECT_AI[1] (1).pptx
+++ b/ASHU_MINI_PROJECT_AI[1] (1).pptx
@@ -4422,7 +4422,7 @@
         </p:nvGraphicFramePr>
         <p:xfrm>
           <a:off x="379826" y="1997614"/>
-          <a:ext cx="10902462" cy="3220533"/>
+          <a:ext cx="10902462" cy="2946213"/>
         </p:xfrm>
         <a:graphic>
           <a:graphicData uri="http://schemas.openxmlformats.org/drawingml/2006/table">
@@ -4431,8 +4431,8 @@
                 <a:tableStyleId>{21E4AEA4-8DFA-4A89-87EB-49C32662AFE0}</a:tableStyleId>
               </a:tblPr>
               <a:tblGrid>
-                <a:gridCol w="5451231"/>
-                <a:gridCol w="5451231"/>
+                <a:gridCol w="4389122"/>
+                <a:gridCol w="6513340"/>
               </a:tblGrid>
               <a:tr h="317006">
                 <a:tc>
@@ -4874,9 +4874,19 @@
                     <a:bodyPr/>
                     <a:lstStyle/>
                     <a:p>
+                      <a:r>
+                        <a:rPr lang="en-US" altLang="en-US" dirty="0" smtClean="0">
+                          <a:solidFill>
+                            <a:schemeClr val="accent1"/>
+                          </a:solidFill>
+                          <a:latin typeface="Times New Roman" panose="02020603050405020304" pitchFamily="18" charset="0"/>
+                          <a:cs typeface="Times New Roman" panose="02020603050405020304" pitchFamily="18" charset="0"/>
+                        </a:rPr>
+                        <a:t>https://github.com/ASHWITHA2202/AI-mini-project/blob/main/ASHU_MINI_PROJECT_AI%5B1%5D%20(1).pptx</a:t>
+                      </a:r>
                       <a:endParaRPr lang="en-US" altLang="en-US" dirty="0">
                         <a:solidFill>
-                          <a:schemeClr val="tx1"/>
+                          <a:schemeClr val="accent1"/>
                         </a:solidFill>
                         <a:latin typeface="Times New Roman" panose="02020603050405020304" pitchFamily="18" charset="0"/>
                         <a:cs typeface="Times New Roman" panose="02020603050405020304" pitchFamily="18" charset="0"/>
